--- a/bootflat.github.io-master/Presentation.pptx
+++ b/bootflat.github.io-master/Presentation.pptx
@@ -107,6 +107,11 @@
       </a:defRPr>
     </a:lvl9pPr>
   </p:defaultTextStyle>
+  <p:extLst>
+    <p:ext uri="{EFAFB233-063F-42B5-8137-9DF3F51BA10A}">
+      <p15:sldGuideLst xmlns:p15="http://schemas.microsoft.com/office/powerpoint/2012/main"/>
+    </p:ext>
+  </p:extLst>
 </p:presentation>
 </file>
 
@@ -7792,13 +7797,31 @@
               <a:rPr lang="en-US" dirty="0" smtClean="0"/>
               <a:t>Trouble tracking volunteers </a:t>
             </a:r>
-          </a:p>
-          <a:p>
-            <a:r>
-              <a:rPr lang="en-US" smtClean="0"/>
-              <a:t>Spreading awareness</a:t>
-            </a:r>
-            <a:endParaRPr lang="en-US" dirty="0"/>
+            <a:r>
+              <a:rPr lang="en-US" dirty="0" smtClean="0"/>
+              <a:t>and logging their hours</a:t>
+            </a:r>
+            <a:endParaRPr lang="en-US" dirty="0" smtClean="0"/>
+          </a:p>
+          <a:p>
+            <a:r>
+              <a:rPr lang="en-US" dirty="0" smtClean="0"/>
+              <a:t>Spreading </a:t>
+            </a:r>
+            <a:r>
+              <a:rPr lang="en-US" dirty="0" smtClean="0"/>
+              <a:t>awareness</a:t>
+            </a:r>
+          </a:p>
+          <a:p>
+            <a:r>
+              <a:rPr lang="en-US" dirty="0" smtClean="0"/>
+              <a:t>Increasing </a:t>
+            </a:r>
+            <a:r>
+              <a:rPr lang="en-US" smtClean="0"/>
+              <a:t>community involvement</a:t>
+            </a:r>
           </a:p>
         </p:txBody>
       </p:sp>

--- a/bootflat.github.io-master/Presentation.pptx
+++ b/bootflat.github.io-master/Presentation.pptx
@@ -8,7 +8,8 @@
     <p:sldId id="256" r:id="rId2"/>
     <p:sldId id="257" r:id="rId3"/>
     <p:sldId id="258" r:id="rId4"/>
-    <p:sldId id="259" r:id="rId5"/>
+    <p:sldId id="260" r:id="rId5"/>
+    <p:sldId id="259" r:id="rId6"/>
   </p:sldIdLst>
   <p:sldSz cx="12192000" cy="6858000"/>
   <p:notesSz cx="6858000" cy="9144000"/>
@@ -7816,11 +7817,7 @@
           <a:p>
             <a:r>
               <a:rPr lang="en-US" dirty="0" smtClean="0"/>
-              <a:t>Increasing </a:t>
-            </a:r>
-            <a:r>
-              <a:rPr lang="en-US" smtClean="0"/>
-              <a:t>community involvement</a:t>
+              <a:t>Increasing community involvement</a:t>
             </a:r>
           </a:p>
         </p:txBody>
@@ -7922,6 +7919,79 @@
 </file>
 
 <file path=ppt/slides/slide4.xml><?xml version="1.0" encoding="utf-8"?>
+<p:sld xmlns:a="http://schemas.openxmlformats.org/drawingml/2006/main" xmlns:r="http://schemas.openxmlformats.org/officeDocument/2006/relationships" xmlns:p="http://schemas.openxmlformats.org/presentationml/2006/main">
+  <p:cSld>
+    <p:spTree>
+      <p:nvGrpSpPr>
+        <p:cNvPr id="1" name=""/>
+        <p:cNvGrpSpPr/>
+        <p:nvPr/>
+      </p:nvGrpSpPr>
+      <p:grpSpPr>
+        <a:xfrm>
+          <a:off x="0" y="0"/>
+          <a:ext cx="0" cy="0"/>
+          <a:chOff x="0" y="0"/>
+          <a:chExt cx="0" cy="0"/>
+        </a:xfrm>
+      </p:grpSpPr>
+      <p:sp>
+        <p:nvSpPr>
+          <p:cNvPr id="2" name="Title 1"/>
+          <p:cNvSpPr>
+            <a:spLocks noGrp="1"/>
+          </p:cNvSpPr>
+          <p:nvPr>
+            <p:ph type="title"/>
+          </p:nvPr>
+        </p:nvSpPr>
+        <p:spPr/>
+        <p:txBody>
+          <a:bodyPr/>
+          <a:lstStyle/>
+          <a:p>
+            <a:pPr algn="ctr"/>
+            <a:r>
+              <a:rPr lang="en-US" dirty="0" smtClean="0"/>
+              <a:t>Our Solution</a:t>
+            </a:r>
+            <a:endParaRPr lang="en-US" dirty="0"/>
+          </a:p>
+        </p:txBody>
+      </p:sp>
+      <p:sp>
+        <p:nvSpPr>
+          <p:cNvPr id="3" name="Content Placeholder 2"/>
+          <p:cNvSpPr>
+            <a:spLocks noGrp="1"/>
+          </p:cNvSpPr>
+          <p:nvPr>
+            <p:ph idx="1"/>
+          </p:nvPr>
+        </p:nvSpPr>
+        <p:spPr/>
+        <p:txBody>
+          <a:bodyPr/>
+          <a:lstStyle/>
+          <a:p>
+            <a:endParaRPr lang="en-US"/>
+          </a:p>
+        </p:txBody>
+      </p:sp>
+    </p:spTree>
+    <p:extLst>
+      <p:ext uri="{BB962C8B-B14F-4D97-AF65-F5344CB8AC3E}">
+        <p14:creationId xmlns:p14="http://schemas.microsoft.com/office/powerpoint/2010/main" val="984106188"/>
+      </p:ext>
+    </p:extLst>
+  </p:cSld>
+  <p:clrMapOvr>
+    <a:masterClrMapping/>
+  </p:clrMapOvr>
+</p:sld>
+</file>
+
+<file path=ppt/slides/slide5.xml><?xml version="1.0" encoding="utf-8"?>
 <p:sld xmlns:a="http://schemas.openxmlformats.org/drawingml/2006/main" xmlns:r="http://schemas.openxmlformats.org/officeDocument/2006/relationships" xmlns:p="http://schemas.openxmlformats.org/presentationml/2006/main">
   <p:cSld>
     <p:spTree>

--- a/bootflat.github.io-master/Presentation.pptx
+++ b/bootflat.github.io-master/Presentation.pptx
@@ -8,8 +8,7 @@
     <p:sldId id="256" r:id="rId2"/>
     <p:sldId id="257" r:id="rId3"/>
     <p:sldId id="258" r:id="rId4"/>
-    <p:sldId id="260" r:id="rId5"/>
-    <p:sldId id="259" r:id="rId6"/>
+    <p:sldId id="259" r:id="rId5"/>
   </p:sldIdLst>
   <p:sldSz cx="12192000" cy="6858000"/>
   <p:notesSz cx="6858000" cy="9144000"/>
@@ -7974,79 +7973,6 @@
           <a:bodyPr/>
           <a:lstStyle/>
           <a:p>
-            <a:endParaRPr lang="en-US"/>
-          </a:p>
-        </p:txBody>
-      </p:sp>
-    </p:spTree>
-    <p:extLst>
-      <p:ext uri="{BB962C8B-B14F-4D97-AF65-F5344CB8AC3E}">
-        <p14:creationId xmlns:p14="http://schemas.microsoft.com/office/powerpoint/2010/main" val="984106188"/>
-      </p:ext>
-    </p:extLst>
-  </p:cSld>
-  <p:clrMapOvr>
-    <a:masterClrMapping/>
-  </p:clrMapOvr>
-</p:sld>
-</file>
-
-<file path=ppt/slides/slide5.xml><?xml version="1.0" encoding="utf-8"?>
-<p:sld xmlns:a="http://schemas.openxmlformats.org/drawingml/2006/main" xmlns:r="http://schemas.openxmlformats.org/officeDocument/2006/relationships" xmlns:p="http://schemas.openxmlformats.org/presentationml/2006/main">
-  <p:cSld>
-    <p:spTree>
-      <p:nvGrpSpPr>
-        <p:cNvPr id="1" name=""/>
-        <p:cNvGrpSpPr/>
-        <p:nvPr/>
-      </p:nvGrpSpPr>
-      <p:grpSpPr>
-        <a:xfrm>
-          <a:off x="0" y="0"/>
-          <a:ext cx="0" cy="0"/>
-          <a:chOff x="0" y="0"/>
-          <a:chExt cx="0" cy="0"/>
-        </a:xfrm>
-      </p:grpSpPr>
-      <p:sp>
-        <p:nvSpPr>
-          <p:cNvPr id="2" name="Title 1"/>
-          <p:cNvSpPr>
-            <a:spLocks noGrp="1"/>
-          </p:cNvSpPr>
-          <p:nvPr>
-            <p:ph type="title"/>
-          </p:nvPr>
-        </p:nvSpPr>
-        <p:spPr/>
-        <p:txBody>
-          <a:bodyPr/>
-          <a:lstStyle/>
-          <a:p>
-            <a:pPr algn="ctr"/>
-            <a:r>
-              <a:rPr lang="en-US" dirty="0" smtClean="0"/>
-              <a:t>Our Solution</a:t>
-            </a:r>
-            <a:endParaRPr lang="en-US" dirty="0"/>
-          </a:p>
-        </p:txBody>
-      </p:sp>
-      <p:sp>
-        <p:nvSpPr>
-          <p:cNvPr id="3" name="Content Placeholder 2"/>
-          <p:cNvSpPr>
-            <a:spLocks noGrp="1"/>
-          </p:cNvSpPr>
-          <p:nvPr>
-            <p:ph idx="1"/>
-          </p:nvPr>
-        </p:nvSpPr>
-        <p:spPr/>
-        <p:txBody>
-          <a:bodyPr/>
-          <a:lstStyle/>
-          <a:p>
             <a:endParaRPr lang="en-US" dirty="0"/>
           </a:p>
         </p:txBody>
